--- a/img/updates.pptx
+++ b/img/updates.pptx
@@ -7,7 +7,12 @@
   <p:sldIdLst>
     <p:sldId id="256" r:id="rId2"/>
     <p:sldId id="257" r:id="rId3"/>
-    <p:sldId id="258" r:id="rId4"/>
+    <p:sldId id="259" r:id="rId4"/>
+    <p:sldId id="260" r:id="rId5"/>
+    <p:sldId id="261" r:id="rId6"/>
+    <p:sldId id="262" r:id="rId7"/>
+    <p:sldId id="263" r:id="rId8"/>
+    <p:sldId id="258" r:id="rId9"/>
   </p:sldIdLst>
   <p:sldSz cx="9144000" cy="6858000" type="screen4x3"/>
   <p:notesSz cx="6858000" cy="9144000"/>
@@ -247,7 +252,7 @@
             <a:fld id="{1D8BD707-D9CF-40AE-B4C6-C98DA3205C09}" type="datetimeFigureOut">
               <a:rPr lang="en-US" smtClean="0"/>
               <a:pPr/>
-              <a:t>9/4/2019</a:t>
+              <a:t>9/20/2019</a:t>
             </a:fld>
             <a:endParaRPr lang="en-US"/>
           </a:p>
@@ -1118,7 +1123,7 @@
             <a:fld id="{1D8BD707-D9CF-40AE-B4C6-C98DA3205C09}" type="datetimeFigureOut">
               <a:rPr lang="en-US" smtClean="0"/>
               <a:pPr/>
-              <a:t>9/4/2019</a:t>
+              <a:t>9/20/2019</a:t>
             </a:fld>
             <a:endParaRPr lang="en-US"/>
           </a:p>
@@ -1295,7 +1300,7 @@
             <a:fld id="{1D8BD707-D9CF-40AE-B4C6-C98DA3205C09}" type="datetimeFigureOut">
               <a:rPr lang="en-US" smtClean="0"/>
               <a:pPr/>
-              <a:t>9/4/2019</a:t>
+              <a:t>9/20/2019</a:t>
             </a:fld>
             <a:endParaRPr lang="en-US"/>
           </a:p>
@@ -1467,7 +1472,7 @@
             <a:fld id="{1D8BD707-D9CF-40AE-B4C6-C98DA3205C09}" type="datetimeFigureOut">
               <a:rPr lang="en-US" smtClean="0"/>
               <a:pPr/>
-              <a:t>9/4/2019</a:t>
+              <a:t>9/20/2019</a:t>
             </a:fld>
             <a:endParaRPr lang="en-US"/>
           </a:p>
@@ -1679,7 +1684,7 @@
             <a:fld id="{1D8BD707-D9CF-40AE-B4C6-C98DA3205C09}" type="datetimeFigureOut">
               <a:rPr lang="en-US" smtClean="0"/>
               <a:pPr/>
-              <a:t>9/4/2019</a:t>
+              <a:t>9/20/2019</a:t>
             </a:fld>
             <a:endParaRPr lang="en-US"/>
           </a:p>
@@ -2495,7 +2500,7 @@
             <a:fld id="{1D8BD707-D9CF-40AE-B4C6-C98DA3205C09}" type="datetimeFigureOut">
               <a:rPr lang="en-US" smtClean="0"/>
               <a:pPr/>
-              <a:t>9/4/2019</a:t>
+              <a:t>9/20/2019</a:t>
             </a:fld>
             <a:endParaRPr lang="en-US"/>
           </a:p>
@@ -2733,7 +2738,7 @@
             <a:fld id="{1D8BD707-D9CF-40AE-B4C6-C98DA3205C09}" type="datetimeFigureOut">
               <a:rPr lang="en-US" smtClean="0"/>
               <a:pPr/>
-              <a:t>9/4/2019</a:t>
+              <a:t>9/20/2019</a:t>
             </a:fld>
             <a:endParaRPr lang="en-US"/>
           </a:p>
@@ -3058,7 +3063,7 @@
             <a:fld id="{1D8BD707-D9CF-40AE-B4C6-C98DA3205C09}" type="datetimeFigureOut">
               <a:rPr lang="en-US" smtClean="0"/>
               <a:pPr/>
-              <a:t>9/4/2019</a:t>
+              <a:t>9/20/2019</a:t>
             </a:fld>
             <a:endParaRPr lang="en-US"/>
           </a:p>
@@ -3150,7 +3155,7 @@
             <a:fld id="{1D8BD707-D9CF-40AE-B4C6-C98DA3205C09}" type="datetimeFigureOut">
               <a:rPr lang="en-US" smtClean="0"/>
               <a:pPr/>
-              <a:t>9/4/2019</a:t>
+              <a:t>9/20/2019</a:t>
             </a:fld>
             <a:endParaRPr lang="en-US"/>
           </a:p>
@@ -3669,7 +3674,7 @@
             <a:fld id="{1D8BD707-D9CF-40AE-B4C6-C98DA3205C09}" type="datetimeFigureOut">
               <a:rPr lang="en-US" smtClean="0"/>
               <a:pPr/>
-              <a:t>9/4/2019</a:t>
+              <a:t>9/20/2019</a:t>
             </a:fld>
             <a:endParaRPr lang="en-US"/>
           </a:p>
@@ -4182,7 +4187,7 @@
             <a:fld id="{1D8BD707-D9CF-40AE-B4C6-C98DA3205C09}" type="datetimeFigureOut">
               <a:rPr lang="en-US" smtClean="0"/>
               <a:pPr/>
-              <a:t>9/4/2019</a:t>
+              <a:t>9/20/2019</a:t>
             </a:fld>
             <a:endParaRPr lang="en-US"/>
           </a:p>
@@ -4429,7 +4434,7 @@
             <a:fld id="{1D8BD707-D9CF-40AE-B4C6-C98DA3205C09}" type="datetimeFigureOut">
               <a:rPr lang="en-US" smtClean="0"/>
               <a:pPr/>
-              <a:t>9/4/2019</a:t>
+              <a:t>9/20/2019</a:t>
             </a:fld>
             <a:endParaRPr lang="en-US"/>
           </a:p>
@@ -5139,6 +5144,261 @@
       </p:grpSpPr>
       <p:pic>
         <p:nvPicPr>
+          <p:cNvPr id="4100" name="Picture 4" descr="Image may contain: Vanildo Silveira, smiling, text"/>
+          <p:cNvPicPr>
+            <a:picLocks noChangeAspect="1" noChangeArrowheads="1"/>
+          </p:cNvPicPr>
+          <p:nvPr/>
+        </p:nvPicPr>
+        <p:blipFill>
+          <a:blip r:embed="rId2" cstate="print"/>
+          <a:srcRect/>
+          <a:stretch>
+            <a:fillRect/>
+          </a:stretch>
+        </p:blipFill>
+        <p:spPr bwMode="auto">
+          <a:xfrm>
+            <a:off x="533400" y="0"/>
+            <a:ext cx="8028877" cy="6858000"/>
+          </a:xfrm>
+          <a:prstGeom prst="rect">
+            <a:avLst/>
+          </a:prstGeom>
+          <a:noFill/>
+        </p:spPr>
+      </p:pic>
+    </p:spTree>
+  </p:cSld>
+  <p:clrMapOvr>
+    <a:masterClrMapping/>
+  </p:clrMapOvr>
+</p:sld>
+</file>
+
+<file path=ppt/slides/slide4.xml><?xml version="1.0" encoding="utf-8"?>
+<p:sld xmlns:a="http://schemas.openxmlformats.org/drawingml/2006/main" xmlns:r="http://schemas.openxmlformats.org/officeDocument/2006/relationships" xmlns:p="http://schemas.openxmlformats.org/presentationml/2006/main">
+  <p:cSld>
+    <p:spTree>
+      <p:nvGrpSpPr>
+        <p:cNvPr id="1" name=""/>
+        <p:cNvGrpSpPr/>
+        <p:nvPr/>
+      </p:nvGrpSpPr>
+      <p:grpSpPr>
+        <a:xfrm>
+          <a:off x="0" y="0"/>
+          <a:ext cx="0" cy="0"/>
+          <a:chOff x="0" y="0"/>
+          <a:chExt cx="0" cy="0"/>
+        </a:xfrm>
+      </p:grpSpPr>
+      <p:pic>
+        <p:nvPicPr>
+          <p:cNvPr id="3074" name="Picture 2" descr="Image may contain: 1 person, smiling, text"/>
+          <p:cNvPicPr>
+            <a:picLocks noChangeAspect="1" noChangeArrowheads="1"/>
+          </p:cNvPicPr>
+          <p:nvPr/>
+        </p:nvPicPr>
+        <p:blipFill>
+          <a:blip r:embed="rId2" cstate="print"/>
+          <a:srcRect/>
+          <a:stretch>
+            <a:fillRect/>
+          </a:stretch>
+        </p:blipFill>
+        <p:spPr bwMode="auto">
+          <a:xfrm>
+            <a:off x="533399" y="1"/>
+            <a:ext cx="8019097" cy="6858000"/>
+          </a:xfrm>
+          <a:prstGeom prst="rect">
+            <a:avLst/>
+          </a:prstGeom>
+          <a:noFill/>
+        </p:spPr>
+      </p:pic>
+    </p:spTree>
+  </p:cSld>
+  <p:clrMapOvr>
+    <a:masterClrMapping/>
+  </p:clrMapOvr>
+</p:sld>
+</file>
+
+<file path=ppt/slides/slide5.xml><?xml version="1.0" encoding="utf-8"?>
+<p:sld xmlns:a="http://schemas.openxmlformats.org/drawingml/2006/main" xmlns:r="http://schemas.openxmlformats.org/officeDocument/2006/relationships" xmlns:p="http://schemas.openxmlformats.org/presentationml/2006/main">
+  <p:cSld>
+    <p:spTree>
+      <p:nvGrpSpPr>
+        <p:cNvPr id="1" name=""/>
+        <p:cNvGrpSpPr/>
+        <p:nvPr/>
+      </p:nvGrpSpPr>
+      <p:grpSpPr>
+        <a:xfrm>
+          <a:off x="0" y="0"/>
+          <a:ext cx="0" cy="0"/>
+          <a:chOff x="0" y="0"/>
+          <a:chExt cx="0" cy="0"/>
+        </a:xfrm>
+      </p:grpSpPr>
+      <p:pic>
+        <p:nvPicPr>
+          <p:cNvPr id="2050" name="Picture 2" descr="Image may contain: 1 person, smiling, text"/>
+          <p:cNvPicPr>
+            <a:picLocks noChangeAspect="1" noChangeArrowheads="1"/>
+          </p:cNvPicPr>
+          <p:nvPr/>
+        </p:nvPicPr>
+        <p:blipFill>
+          <a:blip r:embed="rId2" cstate="print"/>
+          <a:srcRect/>
+          <a:stretch>
+            <a:fillRect/>
+          </a:stretch>
+        </p:blipFill>
+        <p:spPr bwMode="auto">
+          <a:xfrm>
+            <a:off x="533399" y="0"/>
+            <a:ext cx="8028877" cy="6858000"/>
+          </a:xfrm>
+          <a:prstGeom prst="rect">
+            <a:avLst/>
+          </a:prstGeom>
+          <a:noFill/>
+        </p:spPr>
+      </p:pic>
+    </p:spTree>
+  </p:cSld>
+  <p:clrMapOvr>
+    <a:masterClrMapping/>
+  </p:clrMapOvr>
+</p:sld>
+</file>
+
+<file path=ppt/slides/slide6.xml><?xml version="1.0" encoding="utf-8"?>
+<p:sld xmlns:a="http://schemas.openxmlformats.org/drawingml/2006/main" xmlns:r="http://schemas.openxmlformats.org/officeDocument/2006/relationships" xmlns:p="http://schemas.openxmlformats.org/presentationml/2006/main">
+  <p:cSld>
+    <p:spTree>
+      <p:nvGrpSpPr>
+        <p:cNvPr id="1" name=""/>
+        <p:cNvGrpSpPr/>
+        <p:nvPr/>
+      </p:nvGrpSpPr>
+      <p:grpSpPr>
+        <a:xfrm>
+          <a:off x="0" y="0"/>
+          <a:ext cx="0" cy="0"/>
+          <a:chOff x="0" y="0"/>
+          <a:chExt cx="0" cy="0"/>
+        </a:xfrm>
+      </p:grpSpPr>
+      <p:pic>
+        <p:nvPicPr>
+          <p:cNvPr id="1026" name="Picture 2" descr="Image may contain: 1 person, beard and text"/>
+          <p:cNvPicPr>
+            <a:picLocks noChangeAspect="1" noChangeArrowheads="1"/>
+          </p:cNvPicPr>
+          <p:nvPr/>
+        </p:nvPicPr>
+        <p:blipFill>
+          <a:blip r:embed="rId2" cstate="print"/>
+          <a:srcRect/>
+          <a:stretch>
+            <a:fillRect/>
+          </a:stretch>
+        </p:blipFill>
+        <p:spPr bwMode="auto">
+          <a:xfrm>
+            <a:off x="533399" y="0"/>
+            <a:ext cx="8028877" cy="6858000"/>
+          </a:xfrm>
+          <a:prstGeom prst="rect">
+            <a:avLst/>
+          </a:prstGeom>
+          <a:noFill/>
+        </p:spPr>
+      </p:pic>
+    </p:spTree>
+  </p:cSld>
+  <p:clrMapOvr>
+    <a:masterClrMapping/>
+  </p:clrMapOvr>
+</p:sld>
+</file>
+
+<file path=ppt/slides/slide7.xml><?xml version="1.0" encoding="utf-8"?>
+<p:sld xmlns:a="http://schemas.openxmlformats.org/drawingml/2006/main" xmlns:r="http://schemas.openxmlformats.org/officeDocument/2006/relationships" xmlns:p="http://schemas.openxmlformats.org/presentationml/2006/main">
+  <p:cSld>
+    <p:spTree>
+      <p:nvGrpSpPr>
+        <p:cNvPr id="1" name=""/>
+        <p:cNvGrpSpPr/>
+        <p:nvPr/>
+      </p:nvGrpSpPr>
+      <p:grpSpPr>
+        <a:xfrm>
+          <a:off x="0" y="0"/>
+          <a:ext cx="0" cy="0"/>
+          <a:chOff x="0" y="0"/>
+          <a:chExt cx="0" cy="0"/>
+        </a:xfrm>
+      </p:grpSpPr>
+      <p:pic>
+        <p:nvPicPr>
+          <p:cNvPr id="20482" name="Picture 2" descr="Image may contain: 1 person, text"/>
+          <p:cNvPicPr>
+            <a:picLocks noChangeAspect="1" noChangeArrowheads="1"/>
+          </p:cNvPicPr>
+          <p:nvPr/>
+        </p:nvPicPr>
+        <p:blipFill>
+          <a:blip r:embed="rId2" cstate="print"/>
+          <a:srcRect/>
+          <a:stretch>
+            <a:fillRect/>
+          </a:stretch>
+        </p:blipFill>
+        <p:spPr bwMode="auto">
+          <a:xfrm>
+            <a:off x="457200" y="0"/>
+            <a:ext cx="8001000" cy="6834188"/>
+          </a:xfrm>
+          <a:prstGeom prst="rect">
+            <a:avLst/>
+          </a:prstGeom>
+          <a:noFill/>
+        </p:spPr>
+      </p:pic>
+    </p:spTree>
+  </p:cSld>
+  <p:clrMapOvr>
+    <a:masterClrMapping/>
+  </p:clrMapOvr>
+</p:sld>
+</file>
+
+<file path=ppt/slides/slide8.xml><?xml version="1.0" encoding="utf-8"?>
+<p:sld xmlns:a="http://schemas.openxmlformats.org/drawingml/2006/main" xmlns:r="http://schemas.openxmlformats.org/officeDocument/2006/relationships" xmlns:p="http://schemas.openxmlformats.org/presentationml/2006/main">
+  <p:cSld>
+    <p:spTree>
+      <p:nvGrpSpPr>
+        <p:cNvPr id="1" name=""/>
+        <p:cNvGrpSpPr/>
+        <p:nvPr/>
+      </p:nvGrpSpPr>
+      <p:grpSpPr>
+        <a:xfrm>
+          <a:off x="0" y="0"/>
+          <a:ext cx="0" cy="0"/>
+          <a:chOff x="0" y="0"/>
+          <a:chExt cx="0" cy="0"/>
+        </a:xfrm>
+      </p:grpSpPr>
+      <p:pic>
+        <p:nvPicPr>
           <p:cNvPr id="3074" name="Picture 2" descr="C:\Users\kcmei\Documents\UENF\nebbiouenf.github.io\img\Whatsapp.png"/>
           <p:cNvPicPr>
             <a:picLocks noChangeAspect="1" noChangeArrowheads="1"/>

--- a/img/updates.pptx
+++ b/img/updates.pptx
@@ -5,14 +5,8 @@
     <p:sldMasterId id="2147483672" r:id="rId1"/>
   </p:sldMasterIdLst>
   <p:sldIdLst>
-    <p:sldId id="256" r:id="rId2"/>
-    <p:sldId id="257" r:id="rId3"/>
-    <p:sldId id="259" r:id="rId4"/>
-    <p:sldId id="260" r:id="rId5"/>
-    <p:sldId id="261" r:id="rId6"/>
-    <p:sldId id="262" r:id="rId7"/>
-    <p:sldId id="263" r:id="rId8"/>
-    <p:sldId id="258" r:id="rId9"/>
+    <p:sldId id="259" r:id="rId2"/>
+    <p:sldId id="258" r:id="rId3"/>
   </p:sldIdLst>
   <p:sldSz cx="9144000" cy="6858000" type="screen4x3"/>
   <p:notesSz cx="6858000" cy="9144000"/>
@@ -252,7 +246,7 @@
             <a:fld id="{1D8BD707-D9CF-40AE-B4C6-C98DA3205C09}" type="datetimeFigureOut">
               <a:rPr lang="en-US" smtClean="0"/>
               <a:pPr/>
-              <a:t>9/20/2019</a:t>
+              <a:t>11/6/2019</a:t>
             </a:fld>
             <a:endParaRPr lang="en-US"/>
           </a:p>
@@ -1123,7 +1117,7 @@
             <a:fld id="{1D8BD707-D9CF-40AE-B4C6-C98DA3205C09}" type="datetimeFigureOut">
               <a:rPr lang="en-US" smtClean="0"/>
               <a:pPr/>
-              <a:t>9/20/2019</a:t>
+              <a:t>11/6/2019</a:t>
             </a:fld>
             <a:endParaRPr lang="en-US"/>
           </a:p>
@@ -1300,7 +1294,7 @@
             <a:fld id="{1D8BD707-D9CF-40AE-B4C6-C98DA3205C09}" type="datetimeFigureOut">
               <a:rPr lang="en-US" smtClean="0"/>
               <a:pPr/>
-              <a:t>9/20/2019</a:t>
+              <a:t>11/6/2019</a:t>
             </a:fld>
             <a:endParaRPr lang="en-US"/>
           </a:p>
@@ -1472,7 +1466,7 @@
             <a:fld id="{1D8BD707-D9CF-40AE-B4C6-C98DA3205C09}" type="datetimeFigureOut">
               <a:rPr lang="en-US" smtClean="0"/>
               <a:pPr/>
-              <a:t>9/20/2019</a:t>
+              <a:t>11/6/2019</a:t>
             </a:fld>
             <a:endParaRPr lang="en-US"/>
           </a:p>
@@ -1684,7 +1678,7 @@
             <a:fld id="{1D8BD707-D9CF-40AE-B4C6-C98DA3205C09}" type="datetimeFigureOut">
               <a:rPr lang="en-US" smtClean="0"/>
               <a:pPr/>
-              <a:t>9/20/2019</a:t>
+              <a:t>11/6/2019</a:t>
             </a:fld>
             <a:endParaRPr lang="en-US"/>
           </a:p>
@@ -2500,7 +2494,7 @@
             <a:fld id="{1D8BD707-D9CF-40AE-B4C6-C98DA3205C09}" type="datetimeFigureOut">
               <a:rPr lang="en-US" smtClean="0"/>
               <a:pPr/>
-              <a:t>9/20/2019</a:t>
+              <a:t>11/6/2019</a:t>
             </a:fld>
             <a:endParaRPr lang="en-US"/>
           </a:p>
@@ -2738,7 +2732,7 @@
             <a:fld id="{1D8BD707-D9CF-40AE-B4C6-C98DA3205C09}" type="datetimeFigureOut">
               <a:rPr lang="en-US" smtClean="0"/>
               <a:pPr/>
-              <a:t>9/20/2019</a:t>
+              <a:t>11/6/2019</a:t>
             </a:fld>
             <a:endParaRPr lang="en-US"/>
           </a:p>
@@ -3063,7 +3057,7 @@
             <a:fld id="{1D8BD707-D9CF-40AE-B4C6-C98DA3205C09}" type="datetimeFigureOut">
               <a:rPr lang="en-US" smtClean="0"/>
               <a:pPr/>
-              <a:t>9/20/2019</a:t>
+              <a:t>11/6/2019</a:t>
             </a:fld>
             <a:endParaRPr lang="en-US"/>
           </a:p>
@@ -3155,7 +3149,7 @@
             <a:fld id="{1D8BD707-D9CF-40AE-B4C6-C98DA3205C09}" type="datetimeFigureOut">
               <a:rPr lang="en-US" smtClean="0"/>
               <a:pPr/>
-              <a:t>9/20/2019</a:t>
+              <a:t>11/6/2019</a:t>
             </a:fld>
             <a:endParaRPr lang="en-US"/>
           </a:p>
@@ -3674,7 +3668,7 @@
             <a:fld id="{1D8BD707-D9CF-40AE-B4C6-C98DA3205C09}" type="datetimeFigureOut">
               <a:rPr lang="en-US" smtClean="0"/>
               <a:pPr/>
-              <a:t>9/20/2019</a:t>
+              <a:t>11/6/2019</a:t>
             </a:fld>
             <a:endParaRPr lang="en-US"/>
           </a:p>
@@ -4187,7 +4181,7 @@
             <a:fld id="{1D8BD707-D9CF-40AE-B4C6-C98DA3205C09}" type="datetimeFigureOut">
               <a:rPr lang="en-US" smtClean="0"/>
               <a:pPr/>
-              <a:t>9/20/2019</a:t>
+              <a:t>11/6/2019</a:t>
             </a:fld>
             <a:endParaRPr lang="en-US"/>
           </a:p>
@@ -4434,7 +4428,7 @@
             <a:fld id="{1D8BD707-D9CF-40AE-B4C6-C98DA3205C09}" type="datetimeFigureOut">
               <a:rPr lang="en-US" smtClean="0"/>
               <a:pPr/>
-              <a:t>9/20/2019</a:t>
+              <a:t>11/6/2019</a:t>
             </a:fld>
             <a:endParaRPr lang="en-US"/>
           </a:p>
@@ -5042,7 +5036,7 @@
       </p:grpSpPr>
       <p:pic>
         <p:nvPicPr>
-          <p:cNvPr id="1026" name="Picture 2" descr="C:\Users\kcmei\Documents\UENF\nebbiouenf.github.io\img\next_event.png"/>
+          <p:cNvPr id="1026" name="Picture 2" descr="C:\Users\kcmei\Documents\UENF\nebbiouenf.github.io\img\updates\Slide1.PNG"/>
           <p:cNvPicPr>
             <a:picLocks noChangeAspect="1" noChangeArrowheads="1"/>
           </p:cNvPicPr>
@@ -5057,8 +5051,8 @@
         </p:blipFill>
         <p:spPr bwMode="auto">
           <a:xfrm>
-            <a:off x="533400" y="1103"/>
-            <a:ext cx="8001000" cy="6856897"/>
+            <a:off x="914400" y="152400"/>
+            <a:ext cx="7256809" cy="6477000"/>
           </a:xfrm>
           <a:prstGeom prst="rect">
             <a:avLst/>
@@ -5075,312 +5069,6 @@
 </file>
 
 <file path=ppt/slides/slide2.xml><?xml version="1.0" encoding="utf-8"?>
-<p:sld xmlns:a="http://schemas.openxmlformats.org/drawingml/2006/main" xmlns:r="http://schemas.openxmlformats.org/officeDocument/2006/relationships" xmlns:p="http://schemas.openxmlformats.org/presentationml/2006/main">
-  <p:cSld>
-    <p:spTree>
-      <p:nvGrpSpPr>
-        <p:cNvPr id="1" name=""/>
-        <p:cNvGrpSpPr/>
-        <p:nvPr/>
-      </p:nvGrpSpPr>
-      <p:grpSpPr>
-        <a:xfrm>
-          <a:off x="0" y="0"/>
-          <a:ext cx="0" cy="0"/>
-          <a:chOff x="0" y="0"/>
-          <a:chExt cx="0" cy="0"/>
-        </a:xfrm>
-      </p:grpSpPr>
-      <p:pic>
-        <p:nvPicPr>
-          <p:cNvPr id="2050" name="Picture 2" descr="C:\Users\kcmei\Documents\UENF\nebbiouenf.github.io\img\Omicas2.png"/>
-          <p:cNvPicPr>
-            <a:picLocks noChangeAspect="1" noChangeArrowheads="1"/>
-          </p:cNvPicPr>
-          <p:nvPr/>
-        </p:nvPicPr>
-        <p:blipFill>
-          <a:blip r:embed="rId2" cstate="print"/>
-          <a:srcRect/>
-          <a:stretch>
-            <a:fillRect/>
-          </a:stretch>
-        </p:blipFill>
-        <p:spPr bwMode="auto">
-          <a:xfrm>
-            <a:off x="143506" y="1295400"/>
-            <a:ext cx="8848094" cy="4495800"/>
-          </a:xfrm>
-          <a:prstGeom prst="rect">
-            <a:avLst/>
-          </a:prstGeom>
-          <a:noFill/>
-        </p:spPr>
-      </p:pic>
-    </p:spTree>
-  </p:cSld>
-  <p:clrMapOvr>
-    <a:masterClrMapping/>
-  </p:clrMapOvr>
-</p:sld>
-</file>
-
-<file path=ppt/slides/slide3.xml><?xml version="1.0" encoding="utf-8"?>
-<p:sld xmlns:a="http://schemas.openxmlformats.org/drawingml/2006/main" xmlns:r="http://schemas.openxmlformats.org/officeDocument/2006/relationships" xmlns:p="http://schemas.openxmlformats.org/presentationml/2006/main">
-  <p:cSld>
-    <p:spTree>
-      <p:nvGrpSpPr>
-        <p:cNvPr id="1" name=""/>
-        <p:cNvGrpSpPr/>
-        <p:nvPr/>
-      </p:nvGrpSpPr>
-      <p:grpSpPr>
-        <a:xfrm>
-          <a:off x="0" y="0"/>
-          <a:ext cx="0" cy="0"/>
-          <a:chOff x="0" y="0"/>
-          <a:chExt cx="0" cy="0"/>
-        </a:xfrm>
-      </p:grpSpPr>
-      <p:pic>
-        <p:nvPicPr>
-          <p:cNvPr id="4100" name="Picture 4" descr="Image may contain: Vanildo Silveira, smiling, text"/>
-          <p:cNvPicPr>
-            <a:picLocks noChangeAspect="1" noChangeArrowheads="1"/>
-          </p:cNvPicPr>
-          <p:nvPr/>
-        </p:nvPicPr>
-        <p:blipFill>
-          <a:blip r:embed="rId2" cstate="print"/>
-          <a:srcRect/>
-          <a:stretch>
-            <a:fillRect/>
-          </a:stretch>
-        </p:blipFill>
-        <p:spPr bwMode="auto">
-          <a:xfrm>
-            <a:off x="533400" y="0"/>
-            <a:ext cx="8028877" cy="6858000"/>
-          </a:xfrm>
-          <a:prstGeom prst="rect">
-            <a:avLst/>
-          </a:prstGeom>
-          <a:noFill/>
-        </p:spPr>
-      </p:pic>
-    </p:spTree>
-  </p:cSld>
-  <p:clrMapOvr>
-    <a:masterClrMapping/>
-  </p:clrMapOvr>
-</p:sld>
-</file>
-
-<file path=ppt/slides/slide4.xml><?xml version="1.0" encoding="utf-8"?>
-<p:sld xmlns:a="http://schemas.openxmlformats.org/drawingml/2006/main" xmlns:r="http://schemas.openxmlformats.org/officeDocument/2006/relationships" xmlns:p="http://schemas.openxmlformats.org/presentationml/2006/main">
-  <p:cSld>
-    <p:spTree>
-      <p:nvGrpSpPr>
-        <p:cNvPr id="1" name=""/>
-        <p:cNvGrpSpPr/>
-        <p:nvPr/>
-      </p:nvGrpSpPr>
-      <p:grpSpPr>
-        <a:xfrm>
-          <a:off x="0" y="0"/>
-          <a:ext cx="0" cy="0"/>
-          <a:chOff x="0" y="0"/>
-          <a:chExt cx="0" cy="0"/>
-        </a:xfrm>
-      </p:grpSpPr>
-      <p:pic>
-        <p:nvPicPr>
-          <p:cNvPr id="3074" name="Picture 2" descr="Image may contain: 1 person, smiling, text"/>
-          <p:cNvPicPr>
-            <a:picLocks noChangeAspect="1" noChangeArrowheads="1"/>
-          </p:cNvPicPr>
-          <p:nvPr/>
-        </p:nvPicPr>
-        <p:blipFill>
-          <a:blip r:embed="rId2" cstate="print"/>
-          <a:srcRect/>
-          <a:stretch>
-            <a:fillRect/>
-          </a:stretch>
-        </p:blipFill>
-        <p:spPr bwMode="auto">
-          <a:xfrm>
-            <a:off x="533399" y="1"/>
-            <a:ext cx="8019097" cy="6858000"/>
-          </a:xfrm>
-          <a:prstGeom prst="rect">
-            <a:avLst/>
-          </a:prstGeom>
-          <a:noFill/>
-        </p:spPr>
-      </p:pic>
-    </p:spTree>
-  </p:cSld>
-  <p:clrMapOvr>
-    <a:masterClrMapping/>
-  </p:clrMapOvr>
-</p:sld>
-</file>
-
-<file path=ppt/slides/slide5.xml><?xml version="1.0" encoding="utf-8"?>
-<p:sld xmlns:a="http://schemas.openxmlformats.org/drawingml/2006/main" xmlns:r="http://schemas.openxmlformats.org/officeDocument/2006/relationships" xmlns:p="http://schemas.openxmlformats.org/presentationml/2006/main">
-  <p:cSld>
-    <p:spTree>
-      <p:nvGrpSpPr>
-        <p:cNvPr id="1" name=""/>
-        <p:cNvGrpSpPr/>
-        <p:nvPr/>
-      </p:nvGrpSpPr>
-      <p:grpSpPr>
-        <a:xfrm>
-          <a:off x="0" y="0"/>
-          <a:ext cx="0" cy="0"/>
-          <a:chOff x="0" y="0"/>
-          <a:chExt cx="0" cy="0"/>
-        </a:xfrm>
-      </p:grpSpPr>
-      <p:pic>
-        <p:nvPicPr>
-          <p:cNvPr id="2050" name="Picture 2" descr="Image may contain: 1 person, smiling, text"/>
-          <p:cNvPicPr>
-            <a:picLocks noChangeAspect="1" noChangeArrowheads="1"/>
-          </p:cNvPicPr>
-          <p:nvPr/>
-        </p:nvPicPr>
-        <p:blipFill>
-          <a:blip r:embed="rId2" cstate="print"/>
-          <a:srcRect/>
-          <a:stretch>
-            <a:fillRect/>
-          </a:stretch>
-        </p:blipFill>
-        <p:spPr bwMode="auto">
-          <a:xfrm>
-            <a:off x="533399" y="0"/>
-            <a:ext cx="8028877" cy="6858000"/>
-          </a:xfrm>
-          <a:prstGeom prst="rect">
-            <a:avLst/>
-          </a:prstGeom>
-          <a:noFill/>
-        </p:spPr>
-      </p:pic>
-    </p:spTree>
-  </p:cSld>
-  <p:clrMapOvr>
-    <a:masterClrMapping/>
-  </p:clrMapOvr>
-</p:sld>
-</file>
-
-<file path=ppt/slides/slide6.xml><?xml version="1.0" encoding="utf-8"?>
-<p:sld xmlns:a="http://schemas.openxmlformats.org/drawingml/2006/main" xmlns:r="http://schemas.openxmlformats.org/officeDocument/2006/relationships" xmlns:p="http://schemas.openxmlformats.org/presentationml/2006/main">
-  <p:cSld>
-    <p:spTree>
-      <p:nvGrpSpPr>
-        <p:cNvPr id="1" name=""/>
-        <p:cNvGrpSpPr/>
-        <p:nvPr/>
-      </p:nvGrpSpPr>
-      <p:grpSpPr>
-        <a:xfrm>
-          <a:off x="0" y="0"/>
-          <a:ext cx="0" cy="0"/>
-          <a:chOff x="0" y="0"/>
-          <a:chExt cx="0" cy="0"/>
-        </a:xfrm>
-      </p:grpSpPr>
-      <p:pic>
-        <p:nvPicPr>
-          <p:cNvPr id="1026" name="Picture 2" descr="Image may contain: 1 person, beard and text"/>
-          <p:cNvPicPr>
-            <a:picLocks noChangeAspect="1" noChangeArrowheads="1"/>
-          </p:cNvPicPr>
-          <p:nvPr/>
-        </p:nvPicPr>
-        <p:blipFill>
-          <a:blip r:embed="rId2" cstate="print"/>
-          <a:srcRect/>
-          <a:stretch>
-            <a:fillRect/>
-          </a:stretch>
-        </p:blipFill>
-        <p:spPr bwMode="auto">
-          <a:xfrm>
-            <a:off x="533399" y="0"/>
-            <a:ext cx="8028877" cy="6858000"/>
-          </a:xfrm>
-          <a:prstGeom prst="rect">
-            <a:avLst/>
-          </a:prstGeom>
-          <a:noFill/>
-        </p:spPr>
-      </p:pic>
-    </p:spTree>
-  </p:cSld>
-  <p:clrMapOvr>
-    <a:masterClrMapping/>
-  </p:clrMapOvr>
-</p:sld>
-</file>
-
-<file path=ppt/slides/slide7.xml><?xml version="1.0" encoding="utf-8"?>
-<p:sld xmlns:a="http://schemas.openxmlformats.org/drawingml/2006/main" xmlns:r="http://schemas.openxmlformats.org/officeDocument/2006/relationships" xmlns:p="http://schemas.openxmlformats.org/presentationml/2006/main">
-  <p:cSld>
-    <p:spTree>
-      <p:nvGrpSpPr>
-        <p:cNvPr id="1" name=""/>
-        <p:cNvGrpSpPr/>
-        <p:nvPr/>
-      </p:nvGrpSpPr>
-      <p:grpSpPr>
-        <a:xfrm>
-          <a:off x="0" y="0"/>
-          <a:ext cx="0" cy="0"/>
-          <a:chOff x="0" y="0"/>
-          <a:chExt cx="0" cy="0"/>
-        </a:xfrm>
-      </p:grpSpPr>
-      <p:pic>
-        <p:nvPicPr>
-          <p:cNvPr id="20482" name="Picture 2" descr="Image may contain: 1 person, text"/>
-          <p:cNvPicPr>
-            <a:picLocks noChangeAspect="1" noChangeArrowheads="1"/>
-          </p:cNvPicPr>
-          <p:nvPr/>
-        </p:nvPicPr>
-        <p:blipFill>
-          <a:blip r:embed="rId2" cstate="print"/>
-          <a:srcRect/>
-          <a:stretch>
-            <a:fillRect/>
-          </a:stretch>
-        </p:blipFill>
-        <p:spPr bwMode="auto">
-          <a:xfrm>
-            <a:off x="457200" y="0"/>
-            <a:ext cx="8001000" cy="6834188"/>
-          </a:xfrm>
-          <a:prstGeom prst="rect">
-            <a:avLst/>
-          </a:prstGeom>
-          <a:noFill/>
-        </p:spPr>
-      </p:pic>
-    </p:spTree>
-  </p:cSld>
-  <p:clrMapOvr>
-    <a:masterClrMapping/>
-  </p:clrMapOvr>
-</p:sld>
-</file>
-
-<file path=ppt/slides/slide8.xml><?xml version="1.0" encoding="utf-8"?>
 <p:sld xmlns:a="http://schemas.openxmlformats.org/drawingml/2006/main" xmlns:r="http://schemas.openxmlformats.org/officeDocument/2006/relationships" xmlns:p="http://schemas.openxmlformats.org/presentationml/2006/main">
   <p:cSld>
     <p:spTree>
